--- a/sqlWorks/자료/db_ppt/1장. DB 환경설정 및 구성 객체.pptx
+++ b/sqlWorks/자료/db_ppt/1장. DB 환경설정 및 구성 객체.pptx
@@ -5,7 +5,7 @@
     <p:sldMasterId id="2147483648" r:id="rId1"/>
   </p:sldMasterIdLst>
   <p:notesMasterIdLst>
-    <p:notesMasterId r:id="rId50"/>
+    <p:notesMasterId r:id="rId48"/>
   </p:notesMasterIdLst>
   <p:sldIdLst>
     <p:sldId id="256" r:id="rId2"/>
@@ -52,10 +52,8 @@
     <p:sldId id="324" r:id="rId43"/>
     <p:sldId id="325" r:id="rId44"/>
     <p:sldId id="321" r:id="rId45"/>
-    <p:sldId id="341" r:id="rId46"/>
-    <p:sldId id="342" r:id="rId47"/>
-    <p:sldId id="343" r:id="rId48"/>
-    <p:sldId id="344" r:id="rId49"/>
+    <p:sldId id="344" r:id="rId46"/>
+    <p:sldId id="343" r:id="rId47"/>
   </p:sldIdLst>
   <p:sldSz cx="9144000" cy="6858000" type="screen4x3"/>
   <p:notesSz cx="6858000" cy="9144000"/>
@@ -255,7 +253,7 @@
           <a:p>
             <a:fld id="{7665CDAC-D627-4E87-877A-1B781DD4CADC}" type="datetimeFigureOut">
               <a:rPr lang="ko-KR" altLang="en-US" smtClean="0"/>
-              <a:t>2023-04-02</a:t>
+              <a:t>2023-04-30</a:t>
             </a:fld>
             <a:endParaRPr lang="ko-KR" altLang="en-US"/>
           </a:p>
@@ -1145,7 +1143,7 @@
           <a:p>
             <a:fld id="{E240FE80-3752-4C44-80B8-E31C3450070D}" type="datetime1">
               <a:rPr lang="ko-KR" altLang="en-US" smtClean="0"/>
-              <a:t>2023-04-02</a:t>
+              <a:t>2023-04-30</a:t>
             </a:fld>
             <a:endParaRPr lang="ko-KR" altLang="en-US"/>
           </a:p>
@@ -1323,7 +1321,7 @@
           <a:p>
             <a:fld id="{5FA88D13-428F-4553-BC93-2E91B1DA3F5C}" type="datetime1">
               <a:rPr lang="ko-KR" altLang="en-US" smtClean="0"/>
-              <a:t>2023-04-02</a:t>
+              <a:t>2023-04-30</a:t>
             </a:fld>
             <a:endParaRPr lang="ko-KR" altLang="en-US"/>
           </a:p>
@@ -1495,7 +1493,7 @@
           <a:p>
             <a:fld id="{4E9D4779-FB94-4D0A-9770-16BB460ADD4B}" type="datetime1">
               <a:rPr lang="ko-KR" altLang="en-US" smtClean="0"/>
-              <a:t>2023-04-02</a:t>
+              <a:t>2023-04-30</a:t>
             </a:fld>
             <a:endParaRPr lang="ko-KR" altLang="en-US"/>
           </a:p>
@@ -1740,7 +1738,7 @@
           <a:p>
             <a:fld id="{DD687F0D-089E-4098-8EE9-5721C76E52EC}" type="datetime1">
               <a:rPr lang="ko-KR" altLang="en-US" smtClean="0"/>
-              <a:t>2023-04-02</a:t>
+              <a:t>2023-04-30</a:t>
             </a:fld>
             <a:endParaRPr lang="ko-KR" altLang="en-US"/>
           </a:p>
@@ -2025,7 +2023,7 @@
           <a:p>
             <a:fld id="{09C650FE-E6B2-4D57-AAF6-1B2A37421AAD}" type="datetime1">
               <a:rPr lang="ko-KR" altLang="en-US" smtClean="0"/>
-              <a:t>2023-04-02</a:t>
+              <a:t>2023-04-30</a:t>
             </a:fld>
             <a:endParaRPr lang="ko-KR" altLang="en-US"/>
           </a:p>
@@ -2444,7 +2442,7 @@
           <a:p>
             <a:fld id="{E87F20C2-C949-4E4F-9580-FEE4F2DAC554}" type="datetime1">
               <a:rPr lang="ko-KR" altLang="en-US" smtClean="0"/>
-              <a:t>2023-04-02</a:t>
+              <a:t>2023-04-30</a:t>
             </a:fld>
             <a:endParaRPr lang="ko-KR" altLang="en-US"/>
           </a:p>
@@ -2561,7 +2559,7 @@
           <a:p>
             <a:fld id="{476DBFE0-70CA-4AA9-9C17-F02054822E7E}" type="datetime1">
               <a:rPr lang="ko-KR" altLang="en-US" smtClean="0"/>
-              <a:t>2023-04-02</a:t>
+              <a:t>2023-04-30</a:t>
             </a:fld>
             <a:endParaRPr lang="ko-KR" altLang="en-US"/>
           </a:p>
@@ -2656,7 +2654,7 @@
           <a:p>
             <a:fld id="{6DA84A72-C6AC-45C3-AE5A-9CF6D245353A}" type="datetime1">
               <a:rPr lang="ko-KR" altLang="en-US" smtClean="0"/>
-              <a:t>2023-04-02</a:t>
+              <a:t>2023-04-30</a:t>
             </a:fld>
             <a:endParaRPr lang="ko-KR" altLang="en-US"/>
           </a:p>
@@ -2931,7 +2929,7 @@
           <a:p>
             <a:fld id="{092D9E8D-7616-4FA8-9B12-88059974D499}" type="datetime1">
               <a:rPr lang="ko-KR" altLang="en-US" smtClean="0"/>
-              <a:t>2023-04-02</a:t>
+              <a:t>2023-04-30</a:t>
             </a:fld>
             <a:endParaRPr lang="ko-KR" altLang="en-US"/>
           </a:p>
@@ -3183,7 +3181,7 @@
           <a:p>
             <a:fld id="{79F4C3F6-B4DC-4E51-8609-BCC628ECDBF3}" type="datetime1">
               <a:rPr lang="ko-KR" altLang="en-US" smtClean="0"/>
-              <a:t>2023-04-02</a:t>
+              <a:t>2023-04-30</a:t>
             </a:fld>
             <a:endParaRPr lang="ko-KR" altLang="en-US"/>
           </a:p>
@@ -3362,7 +3360,7 @@
           <a:p>
             <a:fld id="{B2C4C586-F21B-48DD-B591-4B12E73E0749}" type="datetime1">
               <a:rPr lang="ko-KR" altLang="en-US" smtClean="0"/>
-              <a:t>2023-04-02</a:t>
+              <a:t>2023-04-30</a:t>
             </a:fld>
             <a:endParaRPr lang="ko-KR" altLang="en-US"/>
           </a:p>
@@ -30548,13 +30546,16 @@
             </a:r>
             <a:r>
               <a:rPr lang="ko-KR" altLang="en-US" dirty="0"/>
-              <a:t>시퀀스 </a:t>
+              <a:t>사용자 </a:t>
             </a:r>
             <a:r>
               <a:rPr lang="en-US" altLang="ko-KR" dirty="0"/>
-              <a:t>- SEQUENCE</a:t>
-            </a:r>
-            <a:endParaRPr lang="ko-KR" altLang="en-US" dirty="0"/>
+              <a:t>DB </a:t>
+            </a:r>
+            <a:r>
+              <a:rPr lang="ko-KR" altLang="en-US" dirty="0"/>
+              <a:t>만들기</a:t>
+            </a:r>
           </a:p>
         </p:txBody>
       </p:sp>
@@ -30583,362 +30584,25 @@
       </p:sp>
       <p:sp>
         <p:nvSpPr>
-          <p:cNvPr id="8" name="내용 개체 틀 2"/>
-          <p:cNvSpPr txBox="1">
-            <a:spLocks/>
+          <p:cNvPr id="10" name="내용 개체 틀 2"/>
+          <p:cNvSpPr>
+            <a:spLocks noGrp="1"/>
           </p:cNvSpPr>
-          <p:nvPr/>
+          <p:nvPr>
+            <p:ph idx="1"/>
+          </p:nvPr>
         </p:nvSpPr>
         <p:spPr>
           <a:xfrm>
-            <a:off x="899592" y="1196752"/>
-            <a:ext cx="4824536" cy="576064"/>
+            <a:off x="755576" y="1196752"/>
+            <a:ext cx="6552728" cy="504056"/>
           </a:xfrm>
-          <a:prstGeom prst="rect">
-            <a:avLst/>
-          </a:prstGeom>
         </p:spPr>
         <p:txBody>
-          <a:bodyPr vert="horz" lIns="91440" tIns="45720" rIns="91440" bIns="45720" rtlCol="0">
-            <a:noAutofit/>
+          <a:bodyPr>
+            <a:normAutofit/>
           </a:bodyPr>
-          <a:lstStyle>
-            <a:lvl1pPr marL="342900" indent="-342900" algn="l" defTabSz="914400" rtl="0" eaLnBrk="1" latinLnBrk="1" hangingPunct="1">
-              <a:spcBef>
-                <a:spcPct val="20000"/>
-              </a:spcBef>
-              <a:buFont typeface="Arial" panose="020B0604020202020204" pitchFamily="34" charset="0"/>
-              <a:buChar char="•"/>
-              <a:defRPr sz="3200" kern="1200">
-                <a:solidFill>
-                  <a:schemeClr val="tx1"/>
-                </a:solidFill>
-                <a:latin typeface="+mn-lt"/>
-                <a:ea typeface="+mn-ea"/>
-                <a:cs typeface="+mn-cs"/>
-              </a:defRPr>
-            </a:lvl1pPr>
-            <a:lvl2pPr marL="742950" indent="-285750" algn="l" defTabSz="914400" rtl="0" eaLnBrk="1" latinLnBrk="1" hangingPunct="1">
-              <a:spcBef>
-                <a:spcPct val="20000"/>
-              </a:spcBef>
-              <a:buFont typeface="Arial" panose="020B0604020202020204" pitchFamily="34" charset="0"/>
-              <a:buChar char="–"/>
-              <a:defRPr sz="2800" kern="1200">
-                <a:solidFill>
-                  <a:schemeClr val="tx1"/>
-                </a:solidFill>
-                <a:latin typeface="+mn-lt"/>
-                <a:ea typeface="+mn-ea"/>
-                <a:cs typeface="+mn-cs"/>
-              </a:defRPr>
-            </a:lvl2pPr>
-            <a:lvl3pPr marL="1143000" indent="-228600" algn="l" defTabSz="914400" rtl="0" eaLnBrk="1" latinLnBrk="1" hangingPunct="1">
-              <a:spcBef>
-                <a:spcPct val="20000"/>
-              </a:spcBef>
-              <a:buFont typeface="Arial" panose="020B0604020202020204" pitchFamily="34" charset="0"/>
-              <a:buChar char="•"/>
-              <a:defRPr sz="2400" kern="1200">
-                <a:solidFill>
-                  <a:schemeClr val="tx1"/>
-                </a:solidFill>
-                <a:latin typeface="+mn-lt"/>
-                <a:ea typeface="+mn-ea"/>
-                <a:cs typeface="+mn-cs"/>
-              </a:defRPr>
-            </a:lvl3pPr>
-            <a:lvl4pPr marL="1600200" indent="-228600" algn="l" defTabSz="914400" rtl="0" eaLnBrk="1" latinLnBrk="1" hangingPunct="1">
-              <a:spcBef>
-                <a:spcPct val="20000"/>
-              </a:spcBef>
-              <a:buFont typeface="Arial" panose="020B0604020202020204" pitchFamily="34" charset="0"/>
-              <a:buChar char="–"/>
-              <a:defRPr sz="2000" kern="1200">
-                <a:solidFill>
-                  <a:schemeClr val="tx1"/>
-                </a:solidFill>
-                <a:latin typeface="+mn-lt"/>
-                <a:ea typeface="+mn-ea"/>
-                <a:cs typeface="+mn-cs"/>
-              </a:defRPr>
-            </a:lvl4pPr>
-            <a:lvl5pPr marL="2057400" indent="-228600" algn="l" defTabSz="914400" rtl="0" eaLnBrk="1" latinLnBrk="1" hangingPunct="1">
-              <a:spcBef>
-                <a:spcPct val="20000"/>
-              </a:spcBef>
-              <a:buFont typeface="Arial" panose="020B0604020202020204" pitchFamily="34" charset="0"/>
-              <a:buChar char="»"/>
-              <a:defRPr sz="2000" kern="1200">
-                <a:solidFill>
-                  <a:schemeClr val="tx1"/>
-                </a:solidFill>
-                <a:latin typeface="+mn-lt"/>
-                <a:ea typeface="+mn-ea"/>
-                <a:cs typeface="+mn-cs"/>
-              </a:defRPr>
-            </a:lvl5pPr>
-            <a:lvl6pPr marL="2514600" indent="-228600" algn="l" defTabSz="914400" rtl="0" eaLnBrk="1" latinLnBrk="1" hangingPunct="1">
-              <a:spcBef>
-                <a:spcPct val="20000"/>
-              </a:spcBef>
-              <a:buFont typeface="Arial" panose="020B0604020202020204" pitchFamily="34" charset="0"/>
-              <a:buChar char="•"/>
-              <a:defRPr sz="2000" kern="1200">
-                <a:solidFill>
-                  <a:schemeClr val="tx1"/>
-                </a:solidFill>
-                <a:latin typeface="+mn-lt"/>
-                <a:ea typeface="+mn-ea"/>
-                <a:cs typeface="+mn-cs"/>
-              </a:defRPr>
-            </a:lvl6pPr>
-            <a:lvl7pPr marL="2971800" indent="-228600" algn="l" defTabSz="914400" rtl="0" eaLnBrk="1" latinLnBrk="1" hangingPunct="1">
-              <a:spcBef>
-                <a:spcPct val="20000"/>
-              </a:spcBef>
-              <a:buFont typeface="Arial" panose="020B0604020202020204" pitchFamily="34" charset="0"/>
-              <a:buChar char="•"/>
-              <a:defRPr sz="2000" kern="1200">
-                <a:solidFill>
-                  <a:schemeClr val="tx1"/>
-                </a:solidFill>
-                <a:latin typeface="+mn-lt"/>
-                <a:ea typeface="+mn-ea"/>
-                <a:cs typeface="+mn-cs"/>
-              </a:defRPr>
-            </a:lvl7pPr>
-            <a:lvl8pPr marL="3429000" indent="-228600" algn="l" defTabSz="914400" rtl="0" eaLnBrk="1" latinLnBrk="1" hangingPunct="1">
-              <a:spcBef>
-                <a:spcPct val="20000"/>
-              </a:spcBef>
-              <a:buFont typeface="Arial" panose="020B0604020202020204" pitchFamily="34" charset="0"/>
-              <a:buChar char="•"/>
-              <a:defRPr sz="2000" kern="1200">
-                <a:solidFill>
-                  <a:schemeClr val="tx1"/>
-                </a:solidFill>
-                <a:latin typeface="+mn-lt"/>
-                <a:ea typeface="+mn-ea"/>
-                <a:cs typeface="+mn-cs"/>
-              </a:defRPr>
-            </a:lvl8pPr>
-            <a:lvl9pPr marL="3886200" indent="-228600" algn="l" defTabSz="914400" rtl="0" eaLnBrk="1" latinLnBrk="1" hangingPunct="1">
-              <a:spcBef>
-                <a:spcPct val="20000"/>
-              </a:spcBef>
-              <a:buFont typeface="Arial" panose="020B0604020202020204" pitchFamily="34" charset="0"/>
-              <a:buChar char="•"/>
-              <a:defRPr sz="2000" kern="1200">
-                <a:solidFill>
-                  <a:schemeClr val="tx1"/>
-                </a:solidFill>
-                <a:latin typeface="+mn-lt"/>
-                <a:ea typeface="+mn-ea"/>
-                <a:cs typeface="+mn-cs"/>
-              </a:defRPr>
-            </a:lvl9pPr>
-          </a:lstStyle>
-          <a:p>
-            <a:pPr marL="0" indent="0">
-              <a:lnSpc>
-                <a:spcPct val="150000"/>
-              </a:lnSpc>
-              <a:buFont typeface="Arial" panose="020B0604020202020204" pitchFamily="34" charset="0"/>
-              <a:buNone/>
-            </a:pPr>
-            <a:r>
-              <a:rPr lang="ko-KR" altLang="en-US" sz="1800" b="1" dirty="0"/>
-              <a:t>  </a:t>
-            </a:r>
-            <a:r>
-              <a:rPr lang="en-US" altLang="ko-KR" sz="1800" b="1" dirty="0"/>
-              <a:t>Sequence(</a:t>
-            </a:r>
-            <a:r>
-              <a:rPr lang="ko-KR" altLang="en-US" sz="1800" b="1" dirty="0"/>
-              <a:t>시퀀스</a:t>
-            </a:r>
-            <a:r>
-              <a:rPr lang="en-US" altLang="ko-KR" sz="1800" b="1" dirty="0"/>
-              <a:t>)</a:t>
-            </a:r>
-          </a:p>
-          <a:p>
-            <a:pPr marL="0" indent="0">
-              <a:lnSpc>
-                <a:spcPct val="150000"/>
-              </a:lnSpc>
-              <a:buFont typeface="Arial" panose="020B0604020202020204" pitchFamily="34" charset="0"/>
-              <a:buNone/>
-            </a:pPr>
-            <a:endParaRPr lang="en-US" altLang="ko-KR" sz="1800" b="1" dirty="0"/>
-          </a:p>
-        </p:txBody>
-      </p:sp>
-      <p:sp>
-        <p:nvSpPr>
-          <p:cNvPr id="11" name="내용 개체 틀 2"/>
-          <p:cNvSpPr txBox="1">
-            <a:spLocks/>
-          </p:cNvSpPr>
-          <p:nvPr/>
-        </p:nvSpPr>
-        <p:spPr>
-          <a:xfrm>
-            <a:off x="1187624" y="3461860"/>
-            <a:ext cx="3672408" cy="2376264"/>
-          </a:xfrm>
-          <a:prstGeom prst="rect">
-            <a:avLst/>
-          </a:prstGeom>
-          <a:solidFill>
-            <a:schemeClr val="bg1">
-              <a:lumMod val="95000"/>
-            </a:schemeClr>
-          </a:solidFill>
-        </p:spPr>
-        <p:txBody>
-          <a:bodyPr vert="horz" lIns="91440" tIns="45720" rIns="91440" bIns="45720" rtlCol="0">
-            <a:normAutofit fontScale="77500" lnSpcReduction="20000"/>
-          </a:bodyPr>
-          <a:lstStyle>
-            <a:lvl1pPr marL="342900" indent="-342900" algn="l" defTabSz="914400" rtl="0" eaLnBrk="1" latinLnBrk="1" hangingPunct="1">
-              <a:spcBef>
-                <a:spcPct val="20000"/>
-              </a:spcBef>
-              <a:buFont typeface="Arial" panose="020B0604020202020204" pitchFamily="34" charset="0"/>
-              <a:buChar char="•"/>
-              <a:defRPr sz="3200" kern="1200">
-                <a:solidFill>
-                  <a:schemeClr val="tx1"/>
-                </a:solidFill>
-                <a:latin typeface="+mn-lt"/>
-                <a:ea typeface="+mn-ea"/>
-                <a:cs typeface="+mn-cs"/>
-              </a:defRPr>
-            </a:lvl1pPr>
-            <a:lvl2pPr marL="742950" indent="-285750" algn="l" defTabSz="914400" rtl="0" eaLnBrk="1" latinLnBrk="1" hangingPunct="1">
-              <a:spcBef>
-                <a:spcPct val="20000"/>
-              </a:spcBef>
-              <a:buFont typeface="Arial" panose="020B0604020202020204" pitchFamily="34" charset="0"/>
-              <a:buChar char="–"/>
-              <a:defRPr sz="2800" kern="1200">
-                <a:solidFill>
-                  <a:schemeClr val="tx1"/>
-                </a:solidFill>
-                <a:latin typeface="+mn-lt"/>
-                <a:ea typeface="+mn-ea"/>
-                <a:cs typeface="+mn-cs"/>
-              </a:defRPr>
-            </a:lvl2pPr>
-            <a:lvl3pPr marL="1143000" indent="-228600" algn="l" defTabSz="914400" rtl="0" eaLnBrk="1" latinLnBrk="1" hangingPunct="1">
-              <a:spcBef>
-                <a:spcPct val="20000"/>
-              </a:spcBef>
-              <a:buFont typeface="Arial" panose="020B0604020202020204" pitchFamily="34" charset="0"/>
-              <a:buChar char="•"/>
-              <a:defRPr sz="2400" kern="1200">
-                <a:solidFill>
-                  <a:schemeClr val="tx1"/>
-                </a:solidFill>
-                <a:latin typeface="+mn-lt"/>
-                <a:ea typeface="+mn-ea"/>
-                <a:cs typeface="+mn-cs"/>
-              </a:defRPr>
-            </a:lvl3pPr>
-            <a:lvl4pPr marL="1600200" indent="-228600" algn="l" defTabSz="914400" rtl="0" eaLnBrk="1" latinLnBrk="1" hangingPunct="1">
-              <a:spcBef>
-                <a:spcPct val="20000"/>
-              </a:spcBef>
-              <a:buFont typeface="Arial" panose="020B0604020202020204" pitchFamily="34" charset="0"/>
-              <a:buChar char="–"/>
-              <a:defRPr sz="2000" kern="1200">
-                <a:solidFill>
-                  <a:schemeClr val="tx1"/>
-                </a:solidFill>
-                <a:latin typeface="+mn-lt"/>
-                <a:ea typeface="+mn-ea"/>
-                <a:cs typeface="+mn-cs"/>
-              </a:defRPr>
-            </a:lvl4pPr>
-            <a:lvl5pPr marL="2057400" indent="-228600" algn="l" defTabSz="914400" rtl="0" eaLnBrk="1" latinLnBrk="1" hangingPunct="1">
-              <a:spcBef>
-                <a:spcPct val="20000"/>
-              </a:spcBef>
-              <a:buFont typeface="Arial" panose="020B0604020202020204" pitchFamily="34" charset="0"/>
-              <a:buChar char="»"/>
-              <a:defRPr sz="2000" kern="1200">
-                <a:solidFill>
-                  <a:schemeClr val="tx1"/>
-                </a:solidFill>
-                <a:latin typeface="+mn-lt"/>
-                <a:ea typeface="+mn-ea"/>
-                <a:cs typeface="+mn-cs"/>
-              </a:defRPr>
-            </a:lvl5pPr>
-            <a:lvl6pPr marL="2514600" indent="-228600" algn="l" defTabSz="914400" rtl="0" eaLnBrk="1" latinLnBrk="1" hangingPunct="1">
-              <a:spcBef>
-                <a:spcPct val="20000"/>
-              </a:spcBef>
-              <a:buFont typeface="Arial" panose="020B0604020202020204" pitchFamily="34" charset="0"/>
-              <a:buChar char="•"/>
-              <a:defRPr sz="2000" kern="1200">
-                <a:solidFill>
-                  <a:schemeClr val="tx1"/>
-                </a:solidFill>
-                <a:latin typeface="+mn-lt"/>
-                <a:ea typeface="+mn-ea"/>
-                <a:cs typeface="+mn-cs"/>
-              </a:defRPr>
-            </a:lvl6pPr>
-            <a:lvl7pPr marL="2971800" indent="-228600" algn="l" defTabSz="914400" rtl="0" eaLnBrk="1" latinLnBrk="1" hangingPunct="1">
-              <a:spcBef>
-                <a:spcPct val="20000"/>
-              </a:spcBef>
-              <a:buFont typeface="Arial" panose="020B0604020202020204" pitchFamily="34" charset="0"/>
-              <a:buChar char="•"/>
-              <a:defRPr sz="2000" kern="1200">
-                <a:solidFill>
-                  <a:schemeClr val="tx1"/>
-                </a:solidFill>
-                <a:latin typeface="+mn-lt"/>
-                <a:ea typeface="+mn-ea"/>
-                <a:cs typeface="+mn-cs"/>
-              </a:defRPr>
-            </a:lvl7pPr>
-            <a:lvl8pPr marL="3429000" indent="-228600" algn="l" defTabSz="914400" rtl="0" eaLnBrk="1" latinLnBrk="1" hangingPunct="1">
-              <a:spcBef>
-                <a:spcPct val="20000"/>
-              </a:spcBef>
-              <a:buFont typeface="Arial" panose="020B0604020202020204" pitchFamily="34" charset="0"/>
-              <a:buChar char="•"/>
-              <a:defRPr sz="2000" kern="1200">
-                <a:solidFill>
-                  <a:schemeClr val="tx1"/>
-                </a:solidFill>
-                <a:latin typeface="+mn-lt"/>
-                <a:ea typeface="+mn-ea"/>
-                <a:cs typeface="+mn-cs"/>
-              </a:defRPr>
-            </a:lvl8pPr>
-            <a:lvl9pPr marL="3886200" indent="-228600" algn="l" defTabSz="914400" rtl="0" eaLnBrk="1" latinLnBrk="1" hangingPunct="1">
-              <a:spcBef>
-                <a:spcPct val="20000"/>
-              </a:spcBef>
-              <a:buFont typeface="Arial" panose="020B0604020202020204" pitchFamily="34" charset="0"/>
-              <a:buChar char="•"/>
-              <a:defRPr sz="2000" kern="1200">
-                <a:solidFill>
-                  <a:schemeClr val="tx1"/>
-                </a:solidFill>
-                <a:latin typeface="+mn-lt"/>
-                <a:ea typeface="+mn-ea"/>
-                <a:cs typeface="+mn-cs"/>
-              </a:defRPr>
-            </a:lvl9pPr>
-          </a:lstStyle>
+          <a:lstStyle/>
           <a:p>
             <a:pPr marL="0" indent="0">
               <a:lnSpc>
@@ -30947,28 +30611,34 @@
               <a:buNone/>
             </a:pPr>
             <a:r>
-              <a:rPr lang="en-US" altLang="ko-KR" sz="1800" b="1" dirty="0"/>
-              <a:t>CREATE SEQUENCE </a:t>
-            </a:r>
-            <a:r>
-              <a:rPr lang="en-US" altLang="ko-KR" sz="1800" b="1" dirty="0" err="1">
-                <a:solidFill>
-                  <a:schemeClr val="tx1">
-                    <a:lumMod val="50000"/>
-                    <a:lumOff val="50000"/>
-                  </a:schemeClr>
-                </a:solidFill>
-              </a:rPr>
-              <a:t>mySeq</a:t>
-            </a:r>
-            <a:endParaRPr lang="en-US" altLang="ko-KR" sz="1800" b="1" dirty="0">
-              <a:solidFill>
-                <a:schemeClr val="tx1">
-                  <a:lumMod val="50000"/>
-                  <a:lumOff val="50000"/>
-                </a:schemeClr>
-              </a:solidFill>
-            </a:endParaRPr>
+              <a:rPr lang="en-US" altLang="ko-KR" sz="1800" dirty="0"/>
+              <a:t>SYSTEM</a:t>
+            </a:r>
+            <a:r>
+              <a:rPr lang="ko-KR" altLang="en-US" sz="1800" dirty="0"/>
+              <a:t>에서 새 데이터베이스 사용자 만들기</a:t>
+            </a:r>
+            <a:r>
+              <a:rPr lang="en-US" altLang="ko-KR" sz="1800" dirty="0"/>
+              <a:t>(</a:t>
+            </a:r>
+            <a:r>
+              <a:rPr lang="ko-KR" altLang="en-US" sz="1800" dirty="0" smtClean="0"/>
+              <a:t>방법</a:t>
+            </a:r>
+            <a:r>
+              <a:rPr lang="en-US" altLang="ko-KR" sz="1800" dirty="0" smtClean="0"/>
+              <a:t>1 - </a:t>
+            </a:r>
+            <a:r>
+              <a:rPr lang="ko-KR" altLang="en-US" sz="1800" dirty="0" smtClean="0"/>
+              <a:t>권장</a:t>
+            </a:r>
+            <a:r>
+              <a:rPr lang="en-US" altLang="ko-KR" sz="1800" dirty="0" smtClean="0"/>
+              <a:t>)</a:t>
+            </a:r>
+            <a:endParaRPr lang="en-US" altLang="ko-KR" sz="1800" dirty="0"/>
           </a:p>
           <a:p>
             <a:pPr marL="0" indent="0">
@@ -30977,128 +30647,94 @@
               </a:lnSpc>
               <a:buNone/>
             </a:pPr>
-            <a:r>
-              <a:rPr lang="en-US" altLang="ko-KR" sz="1800" b="1" dirty="0"/>
-              <a:t>INCREMENT BY </a:t>
-            </a:r>
-            <a:r>
-              <a:rPr lang="en-US" altLang="ko-KR" sz="1800" b="1" dirty="0">
-                <a:solidFill>
-                  <a:schemeClr val="tx1">
-                    <a:lumMod val="50000"/>
-                    <a:lumOff val="50000"/>
-                  </a:schemeClr>
-                </a:solidFill>
-              </a:rPr>
-              <a:t>1</a:t>
-            </a:r>
-          </a:p>
-          <a:p>
-            <a:pPr marL="0" indent="0">
-              <a:lnSpc>
-                <a:spcPct val="150000"/>
-              </a:lnSpc>
-              <a:buNone/>
-            </a:pPr>
-            <a:r>
-              <a:rPr lang="en-US" altLang="ko-KR" sz="1800" b="1" dirty="0"/>
-              <a:t>START WITH </a:t>
-            </a:r>
-            <a:r>
-              <a:rPr lang="en-US" altLang="ko-KR" sz="1800" b="1" dirty="0">
-                <a:solidFill>
-                  <a:schemeClr val="tx1">
-                    <a:lumMod val="50000"/>
-                    <a:lumOff val="50000"/>
-                  </a:schemeClr>
-                </a:solidFill>
-              </a:rPr>
-              <a:t>1</a:t>
-            </a:r>
-          </a:p>
-          <a:p>
-            <a:pPr marL="0" indent="0">
-              <a:lnSpc>
-                <a:spcPct val="150000"/>
-              </a:lnSpc>
-              <a:buNone/>
-            </a:pPr>
-            <a:r>
-              <a:rPr lang="en-US" altLang="ko-KR" sz="1800" b="1" dirty="0"/>
-              <a:t>MINVALUE </a:t>
-            </a:r>
-            <a:r>
-              <a:rPr lang="en-US" altLang="ko-KR" sz="1800" b="1" dirty="0">
-                <a:solidFill>
-                  <a:schemeClr val="tx1">
-                    <a:lumMod val="50000"/>
-                    <a:lumOff val="50000"/>
-                  </a:schemeClr>
-                </a:solidFill>
-              </a:rPr>
-              <a:t>1</a:t>
-            </a:r>
-          </a:p>
-          <a:p>
-            <a:pPr marL="0" indent="0">
-              <a:lnSpc>
-                <a:spcPct val="150000"/>
-              </a:lnSpc>
-              <a:buNone/>
-            </a:pPr>
-            <a:r>
-              <a:rPr lang="en-US" altLang="ko-KR" sz="1800" b="1" dirty="0"/>
-              <a:t>MAXVALUE </a:t>
-            </a:r>
-            <a:r>
-              <a:rPr lang="en-US" altLang="ko-KR" sz="1800" b="1" dirty="0">
-                <a:solidFill>
-                  <a:schemeClr val="tx1">
-                    <a:lumMod val="50000"/>
-                    <a:lumOff val="50000"/>
-                  </a:schemeClr>
-                </a:solidFill>
-              </a:rPr>
-              <a:t>1000</a:t>
-            </a:r>
-          </a:p>
-          <a:p>
-            <a:pPr marL="0" indent="0">
-              <a:lnSpc>
-                <a:spcPct val="150000"/>
-              </a:lnSpc>
-              <a:buNone/>
-            </a:pPr>
-            <a:r>
-              <a:rPr lang="en-US" altLang="ko-KR" sz="1800" b="1" dirty="0"/>
-              <a:t>NOCYCLE</a:t>
-            </a:r>
-          </a:p>
-          <a:p>
-            <a:pPr marL="0" indent="0">
-              <a:lnSpc>
-                <a:spcPct val="150000"/>
-              </a:lnSpc>
-              <a:buNone/>
-            </a:pPr>
-            <a:r>
-              <a:rPr lang="en-US" altLang="ko-KR" sz="1800" b="1" dirty="0"/>
-              <a:t>NOCACHE;</a:t>
-            </a:r>
             <a:endParaRPr lang="en-US" altLang="ko-KR" sz="1800" dirty="0"/>
           </a:p>
         </p:txBody>
       </p:sp>
+      <p:pic>
+        <p:nvPicPr>
+          <p:cNvPr id="7" name="그림 6"/>
+          <p:cNvPicPr>
+            <a:picLocks noChangeAspect="1"/>
+          </p:cNvPicPr>
+          <p:nvPr/>
+        </p:nvPicPr>
+        <p:blipFill>
+          <a:blip r:embed="rId2">
+            <a:extLst>
+              <a:ext uri="{28A0092B-C50C-407E-A947-70E740481C1C}">
+                <a14:useLocalDpi xmlns:a14="http://schemas.microsoft.com/office/drawing/2010/main" val="0"/>
+              </a:ext>
+            </a:extLst>
+          </a:blip>
+          <a:stretch>
+            <a:fillRect/>
+          </a:stretch>
+        </p:blipFill>
+        <p:spPr>
+          <a:xfrm>
+            <a:off x="1403648" y="1988840"/>
+            <a:ext cx="4116978" cy="2520280"/>
+          </a:xfrm>
+          <a:prstGeom prst="rect">
+            <a:avLst/>
+          </a:prstGeom>
+          <a:ln>
+            <a:solidFill>
+              <a:schemeClr val="bg1">
+                <a:lumMod val="85000"/>
+              </a:schemeClr>
+            </a:solidFill>
+          </a:ln>
+        </p:spPr>
+      </p:pic>
+      <p:pic>
+        <p:nvPicPr>
+          <p:cNvPr id="3" name="그림 2"/>
+          <p:cNvPicPr>
+            <a:picLocks noChangeAspect="1"/>
+          </p:cNvPicPr>
+          <p:nvPr/>
+        </p:nvPicPr>
+        <p:blipFill>
+          <a:blip r:embed="rId3">
+            <a:extLst>
+              <a:ext uri="{28A0092B-C50C-407E-A947-70E740481C1C}">
+                <a14:useLocalDpi xmlns:a14="http://schemas.microsoft.com/office/drawing/2010/main" val="0"/>
+              </a:ext>
+            </a:extLst>
+          </a:blip>
+          <a:stretch>
+            <a:fillRect/>
+          </a:stretch>
+        </p:blipFill>
+        <p:spPr>
+          <a:xfrm>
+            <a:off x="1381503" y="4806513"/>
+            <a:ext cx="4724809" cy="586791"/>
+          </a:xfrm>
+          <a:prstGeom prst="rect">
+            <a:avLst/>
+          </a:prstGeom>
+          <a:ln>
+            <a:solidFill>
+              <a:schemeClr val="bg1">
+                <a:lumMod val="85000"/>
+              </a:schemeClr>
+            </a:solidFill>
+          </a:ln>
+        </p:spPr>
+      </p:pic>
       <p:sp>
         <p:nvSpPr>
-          <p:cNvPr id="7" name="TextBox 6"/>
+          <p:cNvPr id="5" name="TextBox 4"/>
           <p:cNvSpPr txBox="1"/>
           <p:nvPr/>
         </p:nvSpPr>
         <p:spPr>
           <a:xfrm>
-            <a:off x="1115616" y="1772816"/>
-            <a:ext cx="7200800" cy="1569660"/>
+            <a:off x="5724129" y="2564904"/>
+            <a:ext cx="3168351" cy="1200329"/>
           </a:xfrm>
           <a:prstGeom prst="rect">
             <a:avLst/>
@@ -31111,224 +30747,45 @@
           </a:bodyPr>
           <a:lstStyle/>
           <a:p>
-            <a:pPr>
-              <a:lnSpc>
-                <a:spcPct val="150000"/>
-              </a:lnSpc>
-            </a:pPr>
-            <a:r>
-              <a:rPr lang="ko-KR" altLang="en-US" sz="1600" dirty="0"/>
-              <a:t>자동순번을 반환하는 데이터베이스 객체이다</a:t>
-            </a:r>
-            <a:r>
-              <a:rPr lang="en-US" altLang="ko-KR" sz="1600" dirty="0"/>
-              <a:t>.</a:t>
-            </a:r>
-          </a:p>
-          <a:p>
-            <a:pPr>
-              <a:lnSpc>
-                <a:spcPct val="150000"/>
-              </a:lnSpc>
-            </a:pPr>
-            <a:r>
-              <a:rPr lang="ko-KR" altLang="en-US" sz="1600" dirty="0"/>
-              <a:t>현재 사원테이블의 </a:t>
-            </a:r>
-            <a:r>
-              <a:rPr lang="ko-KR" altLang="en-US" sz="1600" dirty="0" err="1"/>
-              <a:t>사번은</a:t>
-            </a:r>
-            <a:r>
-              <a:rPr lang="ko-KR" altLang="en-US" sz="1600" dirty="0"/>
-              <a:t> </a:t>
-            </a:r>
-            <a:r>
-              <a:rPr lang="en-US" altLang="ko-KR" sz="1600" dirty="0"/>
-              <a:t>100</a:t>
-            </a:r>
-            <a:r>
-              <a:rPr lang="ko-KR" altLang="en-US" sz="1600" dirty="0"/>
-              <a:t>부터 </a:t>
-            </a:r>
-            <a:r>
-              <a:rPr lang="en-US" altLang="ko-KR" sz="1600" dirty="0"/>
-              <a:t>206</a:t>
-            </a:r>
-            <a:r>
-              <a:rPr lang="ko-KR" altLang="en-US" sz="1600" dirty="0" err="1"/>
-              <a:t>까지인데</a:t>
-            </a:r>
-            <a:r>
-              <a:rPr lang="ko-KR" altLang="en-US" sz="1600" dirty="0"/>
-              <a:t> </a:t>
-            </a:r>
-            <a:r>
-              <a:rPr lang="ko-KR" altLang="en-US" sz="1600" dirty="0" err="1"/>
-              <a:t>숫자형으로</a:t>
-            </a:r>
-            <a:r>
-              <a:rPr lang="ko-KR" altLang="en-US" sz="1600" dirty="0"/>
-              <a:t> 되어 있다</a:t>
-            </a:r>
-            <a:r>
-              <a:rPr lang="en-US" altLang="ko-KR" sz="1600" dirty="0"/>
-              <a:t>. </a:t>
-            </a:r>
-            <a:r>
-              <a:rPr lang="ko-KR" altLang="en-US" sz="1600" dirty="0"/>
-              <a:t>만약 신입사원이 들어온다면 </a:t>
-            </a:r>
-            <a:r>
-              <a:rPr lang="en-US" altLang="ko-KR" sz="1600" dirty="0"/>
-              <a:t>206</a:t>
-            </a:r>
-            <a:r>
-              <a:rPr lang="ko-KR" altLang="en-US" sz="1600" dirty="0"/>
-              <a:t>다음인 </a:t>
-            </a:r>
-            <a:r>
-              <a:rPr lang="en-US" altLang="ko-KR" sz="1600" dirty="0"/>
-              <a:t>207</a:t>
-            </a:r>
-            <a:r>
-              <a:rPr lang="ko-KR" altLang="en-US" sz="1600" dirty="0"/>
-              <a:t>번부터 생성될 것이다</a:t>
-            </a:r>
-            <a:r>
-              <a:rPr lang="en-US" altLang="ko-KR" sz="1600" dirty="0"/>
-              <a:t>. </a:t>
-            </a:r>
-            <a:r>
-              <a:rPr lang="ko-KR" altLang="en-US" sz="1600" dirty="0"/>
-              <a:t>그런데 </a:t>
-            </a:r>
-            <a:r>
-              <a:rPr lang="en-US" altLang="ko-KR" sz="1600" dirty="0"/>
-              <a:t>207</a:t>
-            </a:r>
-            <a:r>
-              <a:rPr lang="ko-KR" altLang="en-US" sz="1600" dirty="0"/>
-              <a:t>이란 숫자를 얻으려면 기존 사원번호 중 최대값을 구해 </a:t>
-            </a:r>
-            <a:r>
-              <a:rPr lang="en-US" altLang="ko-KR" sz="1600" dirty="0"/>
-              <a:t>1</a:t>
-            </a:r>
-            <a:r>
-              <a:rPr lang="ko-KR" altLang="en-US" sz="1600" dirty="0"/>
-              <a:t>을 더해야 한다</a:t>
-            </a:r>
-            <a:r>
-              <a:rPr lang="en-US" altLang="ko-KR" sz="1600" dirty="0"/>
-              <a:t>.</a:t>
-            </a:r>
-            <a:endParaRPr lang="ko-KR" altLang="en-US" sz="1600" dirty="0"/>
-          </a:p>
-        </p:txBody>
-      </p:sp>
-      <p:sp>
-        <p:nvSpPr>
-          <p:cNvPr id="3" name="직사각형 2"/>
-          <p:cNvSpPr/>
-          <p:nvPr/>
-        </p:nvSpPr>
-        <p:spPr>
-          <a:xfrm>
-            <a:off x="5079911" y="3717032"/>
-            <a:ext cx="3240360" cy="1569660"/>
-          </a:xfrm>
-          <a:prstGeom prst="rect">
-            <a:avLst/>
-          </a:prstGeom>
-        </p:spPr>
-        <p:txBody>
-          <a:bodyPr wrap="square">
-            <a:spAutoFit/>
-          </a:bodyPr>
-          <a:lstStyle/>
-          <a:p>
-            <a:pPr>
-              <a:lnSpc>
-                <a:spcPct val="150000"/>
-              </a:lnSpc>
-            </a:pPr>
-            <a:r>
-              <a:rPr lang="en-US" altLang="ko-KR" sz="1600" dirty="0" err="1"/>
-              <a:t>mySeq</a:t>
-            </a:r>
-            <a:r>
-              <a:rPr lang="ko-KR" altLang="en-US" sz="1600" dirty="0"/>
-              <a:t>는 </a:t>
-            </a:r>
-            <a:r>
-              <a:rPr lang="en-US" altLang="ko-KR" sz="1600" dirty="0"/>
-              <a:t>1</a:t>
-            </a:r>
-            <a:r>
-              <a:rPr lang="ko-KR" altLang="en-US" sz="1600" dirty="0"/>
-              <a:t>부터 시작해 </a:t>
-            </a:r>
-          </a:p>
-          <a:p>
-            <a:pPr>
-              <a:lnSpc>
-                <a:spcPct val="150000"/>
-              </a:lnSpc>
-            </a:pPr>
-            <a:r>
-              <a:rPr lang="en-US" altLang="ko-KR" sz="1600" dirty="0"/>
-              <a:t>1</a:t>
-            </a:r>
-            <a:r>
-              <a:rPr lang="ko-KR" altLang="en-US" sz="1600" dirty="0"/>
-              <a:t>씩 증가하며 </a:t>
-            </a:r>
-          </a:p>
-          <a:p>
-            <a:pPr>
-              <a:lnSpc>
-                <a:spcPct val="150000"/>
-              </a:lnSpc>
-            </a:pPr>
-            <a:r>
-              <a:rPr lang="ko-KR" altLang="en-US" sz="1600" dirty="0"/>
-              <a:t>최소값 </a:t>
-            </a:r>
-            <a:r>
-              <a:rPr lang="en-US" altLang="ko-KR" sz="1600" dirty="0"/>
-              <a:t>1</a:t>
-            </a:r>
-            <a:r>
-              <a:rPr lang="ko-KR" altLang="en-US" sz="1600" dirty="0"/>
-              <a:t>부터 최댓값 </a:t>
-            </a:r>
-            <a:r>
-              <a:rPr lang="en-US" altLang="ko-KR" sz="1600" dirty="0"/>
-              <a:t>1000</a:t>
-            </a:r>
-            <a:r>
-              <a:rPr lang="ko-KR" altLang="en-US" sz="1600" dirty="0"/>
-              <a:t>까지</a:t>
-            </a:r>
-          </a:p>
-          <a:p>
-            <a:pPr>
-              <a:lnSpc>
-                <a:spcPct val="150000"/>
-              </a:lnSpc>
-            </a:pPr>
-            <a:r>
-              <a:rPr lang="ko-KR" altLang="en-US" sz="1600" dirty="0"/>
-              <a:t>순번을 자동 생성함</a:t>
-            </a:r>
+            <a:r>
+              <a:rPr lang="en-US" altLang="ko-KR" dirty="0"/>
+              <a:t>i</a:t>
+            </a:r>
+            <a:r>
+              <a:rPr lang="en-US" altLang="ko-KR" dirty="0" smtClean="0"/>
+              <a:t>d – c##</a:t>
+            </a:r>
+            <a:r>
+              <a:rPr lang="ko-KR" altLang="en-US" dirty="0" smtClean="0"/>
+              <a:t>을 </a:t>
+            </a:r>
+            <a:r>
+              <a:rPr lang="ko-KR" altLang="en-US" dirty="0" err="1" smtClean="0"/>
+              <a:t>붙여야함</a:t>
+            </a:r>
+            <a:endParaRPr lang="en-US" altLang="ko-KR" dirty="0" smtClean="0"/>
+          </a:p>
+          <a:p>
+            <a:r>
+              <a:rPr lang="ko-KR" altLang="en-US" dirty="0" smtClean="0"/>
+              <a:t>비밀번호는 숫자로 시작하면 안되고</a:t>
+            </a:r>
+            <a:r>
+              <a:rPr lang="en-US" altLang="ko-KR" dirty="0" smtClean="0"/>
+              <a:t>,</a:t>
+            </a:r>
+            <a:r>
+              <a:rPr lang="ko-KR" altLang="en-US" dirty="0" smtClean="0"/>
+              <a:t> 따옴표를 붙이지 않음</a:t>
+            </a:r>
+            <a:endParaRPr lang="ko-KR" altLang="en-US" dirty="0"/>
           </a:p>
         </p:txBody>
       </p:sp>
     </p:spTree>
     <p:extLst>
       <p:ext uri="{BB962C8B-B14F-4D97-AF65-F5344CB8AC3E}">
-        <p14:creationId xmlns:p14="http://schemas.microsoft.com/office/powerpoint/2010/main" val="361711301"/>
+        <p14:creationId xmlns:p14="http://schemas.microsoft.com/office/powerpoint/2010/main" val="3885479159"/>
       </p:ext>
     </p:extLst>
   </p:cSld>
@@ -31376,13 +30833,16 @@
             </a:r>
             <a:r>
               <a:rPr lang="ko-KR" altLang="en-US" dirty="0"/>
-              <a:t>시퀀스 </a:t>
+              <a:t>사용자 </a:t>
             </a:r>
             <a:r>
               <a:rPr lang="en-US" altLang="ko-KR" dirty="0"/>
-              <a:t>- SEQUENCE</a:t>
-            </a:r>
-            <a:endParaRPr lang="ko-KR" altLang="en-US" dirty="0"/>
+              <a:t>DB </a:t>
+            </a:r>
+            <a:r>
+              <a:rPr lang="ko-KR" altLang="en-US" dirty="0"/>
+              <a:t>만들기</a:t>
+            </a:r>
           </a:p>
         </p:txBody>
       </p:sp>
@@ -31404,322 +30864,6 @@
             <a:fld id="{1BDE3FE7-3AEA-4B05-AC5A-802D1816ACF0}" type="slidenum">
               <a:rPr lang="ko-KR" altLang="en-US" smtClean="0"/>
               <a:t>46</a:t>
-            </a:fld>
-            <a:endParaRPr lang="ko-KR" altLang="en-US"/>
-          </a:p>
-        </p:txBody>
-      </p:sp>
-      <p:sp>
-        <p:nvSpPr>
-          <p:cNvPr id="8" name="내용 개체 틀 2"/>
-          <p:cNvSpPr txBox="1">
-            <a:spLocks/>
-          </p:cNvSpPr>
-          <p:nvPr/>
-        </p:nvSpPr>
-        <p:spPr>
-          <a:xfrm>
-            <a:off x="899592" y="1196752"/>
-            <a:ext cx="4824536" cy="576064"/>
-          </a:xfrm>
-          <a:prstGeom prst="rect">
-            <a:avLst/>
-          </a:prstGeom>
-        </p:spPr>
-        <p:txBody>
-          <a:bodyPr vert="horz" lIns="91440" tIns="45720" rIns="91440" bIns="45720" rtlCol="0">
-            <a:noAutofit/>
-          </a:bodyPr>
-          <a:lstStyle>
-            <a:lvl1pPr marL="342900" indent="-342900" algn="l" defTabSz="914400" rtl="0" eaLnBrk="1" latinLnBrk="1" hangingPunct="1">
-              <a:spcBef>
-                <a:spcPct val="20000"/>
-              </a:spcBef>
-              <a:buFont typeface="Arial" panose="020B0604020202020204" pitchFamily="34" charset="0"/>
-              <a:buChar char="•"/>
-              <a:defRPr sz="3200" kern="1200">
-                <a:solidFill>
-                  <a:schemeClr val="tx1"/>
-                </a:solidFill>
-                <a:latin typeface="+mn-lt"/>
-                <a:ea typeface="+mn-ea"/>
-                <a:cs typeface="+mn-cs"/>
-              </a:defRPr>
-            </a:lvl1pPr>
-            <a:lvl2pPr marL="742950" indent="-285750" algn="l" defTabSz="914400" rtl="0" eaLnBrk="1" latinLnBrk="1" hangingPunct="1">
-              <a:spcBef>
-                <a:spcPct val="20000"/>
-              </a:spcBef>
-              <a:buFont typeface="Arial" panose="020B0604020202020204" pitchFamily="34" charset="0"/>
-              <a:buChar char="–"/>
-              <a:defRPr sz="2800" kern="1200">
-                <a:solidFill>
-                  <a:schemeClr val="tx1"/>
-                </a:solidFill>
-                <a:latin typeface="+mn-lt"/>
-                <a:ea typeface="+mn-ea"/>
-                <a:cs typeface="+mn-cs"/>
-              </a:defRPr>
-            </a:lvl2pPr>
-            <a:lvl3pPr marL="1143000" indent="-228600" algn="l" defTabSz="914400" rtl="0" eaLnBrk="1" latinLnBrk="1" hangingPunct="1">
-              <a:spcBef>
-                <a:spcPct val="20000"/>
-              </a:spcBef>
-              <a:buFont typeface="Arial" panose="020B0604020202020204" pitchFamily="34" charset="0"/>
-              <a:buChar char="•"/>
-              <a:defRPr sz="2400" kern="1200">
-                <a:solidFill>
-                  <a:schemeClr val="tx1"/>
-                </a:solidFill>
-                <a:latin typeface="+mn-lt"/>
-                <a:ea typeface="+mn-ea"/>
-                <a:cs typeface="+mn-cs"/>
-              </a:defRPr>
-            </a:lvl3pPr>
-            <a:lvl4pPr marL="1600200" indent="-228600" algn="l" defTabSz="914400" rtl="0" eaLnBrk="1" latinLnBrk="1" hangingPunct="1">
-              <a:spcBef>
-                <a:spcPct val="20000"/>
-              </a:spcBef>
-              <a:buFont typeface="Arial" panose="020B0604020202020204" pitchFamily="34" charset="0"/>
-              <a:buChar char="–"/>
-              <a:defRPr sz="2000" kern="1200">
-                <a:solidFill>
-                  <a:schemeClr val="tx1"/>
-                </a:solidFill>
-                <a:latin typeface="+mn-lt"/>
-                <a:ea typeface="+mn-ea"/>
-                <a:cs typeface="+mn-cs"/>
-              </a:defRPr>
-            </a:lvl4pPr>
-            <a:lvl5pPr marL="2057400" indent="-228600" algn="l" defTabSz="914400" rtl="0" eaLnBrk="1" latinLnBrk="1" hangingPunct="1">
-              <a:spcBef>
-                <a:spcPct val="20000"/>
-              </a:spcBef>
-              <a:buFont typeface="Arial" panose="020B0604020202020204" pitchFamily="34" charset="0"/>
-              <a:buChar char="»"/>
-              <a:defRPr sz="2000" kern="1200">
-                <a:solidFill>
-                  <a:schemeClr val="tx1"/>
-                </a:solidFill>
-                <a:latin typeface="+mn-lt"/>
-                <a:ea typeface="+mn-ea"/>
-                <a:cs typeface="+mn-cs"/>
-              </a:defRPr>
-            </a:lvl5pPr>
-            <a:lvl6pPr marL="2514600" indent="-228600" algn="l" defTabSz="914400" rtl="0" eaLnBrk="1" latinLnBrk="1" hangingPunct="1">
-              <a:spcBef>
-                <a:spcPct val="20000"/>
-              </a:spcBef>
-              <a:buFont typeface="Arial" panose="020B0604020202020204" pitchFamily="34" charset="0"/>
-              <a:buChar char="•"/>
-              <a:defRPr sz="2000" kern="1200">
-                <a:solidFill>
-                  <a:schemeClr val="tx1"/>
-                </a:solidFill>
-                <a:latin typeface="+mn-lt"/>
-                <a:ea typeface="+mn-ea"/>
-                <a:cs typeface="+mn-cs"/>
-              </a:defRPr>
-            </a:lvl6pPr>
-            <a:lvl7pPr marL="2971800" indent="-228600" algn="l" defTabSz="914400" rtl="0" eaLnBrk="1" latinLnBrk="1" hangingPunct="1">
-              <a:spcBef>
-                <a:spcPct val="20000"/>
-              </a:spcBef>
-              <a:buFont typeface="Arial" panose="020B0604020202020204" pitchFamily="34" charset="0"/>
-              <a:buChar char="•"/>
-              <a:defRPr sz="2000" kern="1200">
-                <a:solidFill>
-                  <a:schemeClr val="tx1"/>
-                </a:solidFill>
-                <a:latin typeface="+mn-lt"/>
-                <a:ea typeface="+mn-ea"/>
-                <a:cs typeface="+mn-cs"/>
-              </a:defRPr>
-            </a:lvl7pPr>
-            <a:lvl8pPr marL="3429000" indent="-228600" algn="l" defTabSz="914400" rtl="0" eaLnBrk="1" latinLnBrk="1" hangingPunct="1">
-              <a:spcBef>
-                <a:spcPct val="20000"/>
-              </a:spcBef>
-              <a:buFont typeface="Arial" panose="020B0604020202020204" pitchFamily="34" charset="0"/>
-              <a:buChar char="•"/>
-              <a:defRPr sz="2000" kern="1200">
-                <a:solidFill>
-                  <a:schemeClr val="tx1"/>
-                </a:solidFill>
-                <a:latin typeface="+mn-lt"/>
-                <a:ea typeface="+mn-ea"/>
-                <a:cs typeface="+mn-cs"/>
-              </a:defRPr>
-            </a:lvl8pPr>
-            <a:lvl9pPr marL="3886200" indent="-228600" algn="l" defTabSz="914400" rtl="0" eaLnBrk="1" latinLnBrk="1" hangingPunct="1">
-              <a:spcBef>
-                <a:spcPct val="20000"/>
-              </a:spcBef>
-              <a:buFont typeface="Arial" panose="020B0604020202020204" pitchFamily="34" charset="0"/>
-              <a:buChar char="•"/>
-              <a:defRPr sz="2000" kern="1200">
-                <a:solidFill>
-                  <a:schemeClr val="tx1"/>
-                </a:solidFill>
-                <a:latin typeface="+mn-lt"/>
-                <a:ea typeface="+mn-ea"/>
-                <a:cs typeface="+mn-cs"/>
-              </a:defRPr>
-            </a:lvl9pPr>
-          </a:lstStyle>
-          <a:p>
-            <a:pPr marL="0" indent="0">
-              <a:lnSpc>
-                <a:spcPct val="150000"/>
-              </a:lnSpc>
-              <a:buFont typeface="Arial" panose="020B0604020202020204" pitchFamily="34" charset="0"/>
-              <a:buNone/>
-            </a:pPr>
-            <a:r>
-              <a:rPr lang="ko-KR" altLang="en-US" sz="1800" b="1" dirty="0"/>
-              <a:t>  </a:t>
-            </a:r>
-            <a:r>
-              <a:rPr lang="en-US" altLang="ko-KR" sz="1800" b="1" dirty="0"/>
-              <a:t>BOARD </a:t>
-            </a:r>
-            <a:r>
-              <a:rPr lang="ko-KR" altLang="en-US" sz="1800" b="1" dirty="0"/>
-              <a:t>테이블에 적용</a:t>
-            </a:r>
-            <a:endParaRPr lang="en-US" altLang="ko-KR" sz="1800" b="1" dirty="0"/>
-          </a:p>
-          <a:p>
-            <a:pPr marL="0" indent="0">
-              <a:lnSpc>
-                <a:spcPct val="150000"/>
-              </a:lnSpc>
-              <a:buFont typeface="Arial" panose="020B0604020202020204" pitchFamily="34" charset="0"/>
-              <a:buNone/>
-            </a:pPr>
-            <a:endParaRPr lang="en-US" altLang="ko-KR" sz="1800" b="1" dirty="0"/>
-          </a:p>
-        </p:txBody>
-      </p:sp>
-      <p:pic>
-        <p:nvPicPr>
-          <p:cNvPr id="3" name="그림 2"/>
-          <p:cNvPicPr>
-            <a:picLocks noChangeAspect="1"/>
-          </p:cNvPicPr>
-          <p:nvPr/>
-        </p:nvPicPr>
-        <p:blipFill>
-          <a:blip r:embed="rId2">
-            <a:extLst>
-              <a:ext uri="{28A0092B-C50C-407E-A947-70E740481C1C}">
-                <a14:useLocalDpi xmlns:a14="http://schemas.microsoft.com/office/drawing/2010/main" val="0"/>
-              </a:ext>
-            </a:extLst>
-          </a:blip>
-          <a:stretch>
-            <a:fillRect/>
-          </a:stretch>
-        </p:blipFill>
-        <p:spPr>
-          <a:xfrm>
-            <a:off x="1187624" y="1766731"/>
-            <a:ext cx="5959356" cy="3665538"/>
-          </a:xfrm>
-          <a:prstGeom prst="rect">
-            <a:avLst/>
-          </a:prstGeom>
-          <a:ln>
-            <a:solidFill>
-              <a:schemeClr val="bg1">
-                <a:lumMod val="85000"/>
-              </a:schemeClr>
-            </a:solidFill>
-          </a:ln>
-        </p:spPr>
-      </p:pic>
-    </p:spTree>
-    <p:extLst>
-      <p:ext uri="{BB962C8B-B14F-4D97-AF65-F5344CB8AC3E}">
-        <p14:creationId xmlns:p14="http://schemas.microsoft.com/office/powerpoint/2010/main" val="1829970569"/>
-      </p:ext>
-    </p:extLst>
-  </p:cSld>
-  <p:clrMapOvr>
-    <a:masterClrMapping/>
-  </p:clrMapOvr>
-</p:sld>
-</file>
-
-<file path=ppt/slides/slide47.xml><?xml version="1.0" encoding="utf-8"?>
-<p:sld xmlns:a="http://schemas.openxmlformats.org/drawingml/2006/main" xmlns:r="http://schemas.openxmlformats.org/officeDocument/2006/relationships" xmlns:p="http://schemas.openxmlformats.org/presentationml/2006/main">
-  <p:cSld>
-    <p:spTree>
-      <p:nvGrpSpPr>
-        <p:cNvPr id="1" name=""/>
-        <p:cNvGrpSpPr/>
-        <p:nvPr/>
-      </p:nvGrpSpPr>
-      <p:grpSpPr>
-        <a:xfrm>
-          <a:off x="0" y="0"/>
-          <a:ext cx="0" cy="0"/>
-          <a:chOff x="0" y="0"/>
-          <a:chExt cx="0" cy="0"/>
-        </a:xfrm>
-      </p:grpSpPr>
-      <p:sp>
-        <p:nvSpPr>
-          <p:cNvPr id="2" name="제목 1"/>
-          <p:cNvSpPr>
-            <a:spLocks noGrp="1"/>
-          </p:cNvSpPr>
-          <p:nvPr>
-            <p:ph type="title"/>
-          </p:nvPr>
-        </p:nvSpPr>
-        <p:spPr/>
-        <p:txBody>
-          <a:bodyPr/>
-          <a:lstStyle/>
-          <a:p>
-            <a:r>
-              <a:rPr lang="en-US" altLang="ko-KR" dirty="0"/>
-              <a:t>  </a:t>
-            </a:r>
-            <a:r>
-              <a:rPr lang="ko-KR" altLang="en-US" dirty="0"/>
-              <a:t>사용자 </a:t>
-            </a:r>
-            <a:r>
-              <a:rPr lang="en-US" altLang="ko-KR" dirty="0"/>
-              <a:t>DB </a:t>
-            </a:r>
-            <a:r>
-              <a:rPr lang="ko-KR" altLang="en-US" dirty="0"/>
-              <a:t>만들기</a:t>
-            </a:r>
-          </a:p>
-        </p:txBody>
-      </p:sp>
-      <p:sp>
-        <p:nvSpPr>
-          <p:cNvPr id="4" name="슬라이드 번호 개체 틀 3"/>
-          <p:cNvSpPr>
-            <a:spLocks noGrp="1"/>
-          </p:cNvSpPr>
-          <p:nvPr>
-            <p:ph type="sldNum" sz="quarter" idx="12"/>
-          </p:nvPr>
-        </p:nvSpPr>
-        <p:spPr/>
-        <p:txBody>
-          <a:bodyPr/>
-          <a:lstStyle/>
-          <a:p>
-            <a:fld id="{1BDE3FE7-3AEA-4B05-AC5A-802D1816ACF0}" type="slidenum">
-              <a:rPr lang="ko-KR" altLang="en-US" smtClean="0"/>
-              <a:t>47</a:t>
             </a:fld>
             <a:endParaRPr lang="ko-KR" altLang="en-US"/>
           </a:p>
@@ -31766,13 +30910,18 @@
               <a:t>(</a:t>
             </a:r>
             <a:r>
-              <a:rPr lang="ko-KR" altLang="en-US" sz="1800" dirty="0"/>
+              <a:rPr lang="ko-KR" altLang="en-US" sz="1800" dirty="0" smtClean="0"/>
               <a:t>방법</a:t>
             </a:r>
             <a:r>
               <a:rPr lang="en-US" altLang="ko-KR" sz="1800" dirty="0"/>
-              <a:t>1)</a:t>
-            </a:r>
+              <a:t>2</a:t>
+            </a:r>
+            <a:r>
+              <a:rPr lang="en-US" altLang="ko-KR" sz="1800" dirty="0" smtClean="0"/>
+              <a:t>)</a:t>
+            </a:r>
+            <a:endParaRPr lang="en-US" altLang="ko-KR" sz="1800" dirty="0"/>
           </a:p>
         </p:txBody>
       </p:sp>
@@ -31888,190 +31037,6 @@
     <p:extLst>
       <p:ext uri="{BB962C8B-B14F-4D97-AF65-F5344CB8AC3E}">
         <p14:creationId xmlns:p14="http://schemas.microsoft.com/office/powerpoint/2010/main" val="1297748299"/>
-      </p:ext>
-    </p:extLst>
-  </p:cSld>
-  <p:clrMapOvr>
-    <a:masterClrMapping/>
-  </p:clrMapOvr>
-</p:sld>
-</file>
-
-<file path=ppt/slides/slide48.xml><?xml version="1.0" encoding="utf-8"?>
-<p:sld xmlns:a="http://schemas.openxmlformats.org/drawingml/2006/main" xmlns:r="http://schemas.openxmlformats.org/officeDocument/2006/relationships" xmlns:p="http://schemas.openxmlformats.org/presentationml/2006/main">
-  <p:cSld>
-    <p:spTree>
-      <p:nvGrpSpPr>
-        <p:cNvPr id="1" name=""/>
-        <p:cNvGrpSpPr/>
-        <p:nvPr/>
-      </p:nvGrpSpPr>
-      <p:grpSpPr>
-        <a:xfrm>
-          <a:off x="0" y="0"/>
-          <a:ext cx="0" cy="0"/>
-          <a:chOff x="0" y="0"/>
-          <a:chExt cx="0" cy="0"/>
-        </a:xfrm>
-      </p:grpSpPr>
-      <p:sp>
-        <p:nvSpPr>
-          <p:cNvPr id="2" name="제목 1"/>
-          <p:cNvSpPr>
-            <a:spLocks noGrp="1"/>
-          </p:cNvSpPr>
-          <p:nvPr>
-            <p:ph type="title"/>
-          </p:nvPr>
-        </p:nvSpPr>
-        <p:spPr/>
-        <p:txBody>
-          <a:bodyPr/>
-          <a:lstStyle/>
-          <a:p>
-            <a:r>
-              <a:rPr lang="en-US" altLang="ko-KR" dirty="0"/>
-              <a:t>  </a:t>
-            </a:r>
-            <a:r>
-              <a:rPr lang="ko-KR" altLang="en-US" dirty="0"/>
-              <a:t>사용자 </a:t>
-            </a:r>
-            <a:r>
-              <a:rPr lang="en-US" altLang="ko-KR" dirty="0"/>
-              <a:t>DB </a:t>
-            </a:r>
-            <a:r>
-              <a:rPr lang="ko-KR" altLang="en-US" dirty="0"/>
-              <a:t>만들기</a:t>
-            </a:r>
-          </a:p>
-        </p:txBody>
-      </p:sp>
-      <p:sp>
-        <p:nvSpPr>
-          <p:cNvPr id="4" name="슬라이드 번호 개체 틀 3"/>
-          <p:cNvSpPr>
-            <a:spLocks noGrp="1"/>
-          </p:cNvSpPr>
-          <p:nvPr>
-            <p:ph type="sldNum" sz="quarter" idx="12"/>
-          </p:nvPr>
-        </p:nvSpPr>
-        <p:spPr/>
-        <p:txBody>
-          <a:bodyPr/>
-          <a:lstStyle/>
-          <a:p>
-            <a:fld id="{1BDE3FE7-3AEA-4B05-AC5A-802D1816ACF0}" type="slidenum">
-              <a:rPr lang="ko-KR" altLang="en-US" smtClean="0"/>
-              <a:t>48</a:t>
-            </a:fld>
-            <a:endParaRPr lang="ko-KR" altLang="en-US"/>
-          </a:p>
-        </p:txBody>
-      </p:sp>
-      <p:sp>
-        <p:nvSpPr>
-          <p:cNvPr id="10" name="내용 개체 틀 2"/>
-          <p:cNvSpPr>
-            <a:spLocks noGrp="1"/>
-          </p:cNvSpPr>
-          <p:nvPr>
-            <p:ph idx="1"/>
-          </p:nvPr>
-        </p:nvSpPr>
-        <p:spPr>
-          <a:xfrm>
-            <a:off x="755576" y="1196752"/>
-            <a:ext cx="5976664" cy="504056"/>
-          </a:xfrm>
-        </p:spPr>
-        <p:txBody>
-          <a:bodyPr>
-            <a:normAutofit/>
-          </a:bodyPr>
-          <a:lstStyle/>
-          <a:p>
-            <a:pPr marL="0" indent="0">
-              <a:lnSpc>
-                <a:spcPct val="150000"/>
-              </a:lnSpc>
-              <a:buNone/>
-            </a:pPr>
-            <a:r>
-              <a:rPr lang="en-US" altLang="ko-KR" sz="1800" dirty="0"/>
-              <a:t>SYSTEM</a:t>
-            </a:r>
-            <a:r>
-              <a:rPr lang="ko-KR" altLang="en-US" sz="1800" dirty="0"/>
-              <a:t>에서 새 데이터베이스 사용자 만들기</a:t>
-            </a:r>
-            <a:r>
-              <a:rPr lang="en-US" altLang="ko-KR" sz="1800" dirty="0"/>
-              <a:t>(</a:t>
-            </a:r>
-            <a:r>
-              <a:rPr lang="ko-KR" altLang="en-US" sz="1800" dirty="0"/>
-              <a:t>방법</a:t>
-            </a:r>
-            <a:r>
-              <a:rPr lang="en-US" altLang="ko-KR" sz="1800" dirty="0"/>
-              <a:t>2)</a:t>
-            </a:r>
-          </a:p>
-          <a:p>
-            <a:pPr marL="0" indent="0">
-              <a:lnSpc>
-                <a:spcPct val="150000"/>
-              </a:lnSpc>
-              <a:buNone/>
-            </a:pPr>
-            <a:endParaRPr lang="en-US" altLang="ko-KR" sz="1800" dirty="0"/>
-          </a:p>
-        </p:txBody>
-      </p:sp>
-      <p:pic>
-        <p:nvPicPr>
-          <p:cNvPr id="7" name="그림 6"/>
-          <p:cNvPicPr>
-            <a:picLocks noChangeAspect="1"/>
-          </p:cNvPicPr>
-          <p:nvPr/>
-        </p:nvPicPr>
-        <p:blipFill>
-          <a:blip r:embed="rId2">
-            <a:extLst>
-              <a:ext uri="{28A0092B-C50C-407E-A947-70E740481C1C}">
-                <a14:useLocalDpi xmlns:a14="http://schemas.microsoft.com/office/drawing/2010/main" val="0"/>
-              </a:ext>
-            </a:extLst>
-          </a:blip>
-          <a:stretch>
-            <a:fillRect/>
-          </a:stretch>
-        </p:blipFill>
-        <p:spPr>
-          <a:xfrm>
-            <a:off x="1403648" y="1988840"/>
-            <a:ext cx="4116978" cy="2520280"/>
-          </a:xfrm>
-          <a:prstGeom prst="rect">
-            <a:avLst/>
-          </a:prstGeom>
-          <a:ln>
-            <a:solidFill>
-              <a:schemeClr val="bg1">
-                <a:lumMod val="85000"/>
-              </a:schemeClr>
-            </a:solidFill>
-          </a:ln>
-        </p:spPr>
-      </p:pic>
-    </p:spTree>
-    <p:extLst>
-      <p:ext uri="{BB962C8B-B14F-4D97-AF65-F5344CB8AC3E}">
-        <p14:creationId xmlns:p14="http://schemas.microsoft.com/office/powerpoint/2010/main" val="3885479159"/>
       </p:ext>
     </p:extLst>
   </p:cSld>
